--- a/2022_02_14_SpatialNormalization_MethodsLunch_AK.pptx
+++ b/2022_02_14_SpatialNormalization_MethodsLunch_AK.pptx
@@ -5,7 +5,7 @@
     <p:sldMasterId id="2147483648" r:id="rId1"/>
   </p:sldMasterIdLst>
   <p:notesMasterIdLst>
-    <p:notesMasterId r:id="rId19"/>
+    <p:notesMasterId r:id="rId20"/>
   </p:notesMasterIdLst>
   <p:sldIdLst>
     <p:sldId id="256" r:id="rId2"/>
@@ -25,6 +25,7 @@
     <p:sldId id="261" r:id="rId16"/>
     <p:sldId id="264" r:id="rId17"/>
     <p:sldId id="342" r:id="rId18"/>
+    <p:sldId id="343" r:id="rId19"/>
   </p:sldIdLst>
   <p:sldSz cx="12192000" cy="6858000"/>
   <p:notesSz cx="6858000" cy="9144000"/>
@@ -6187,7 +6188,7 @@
           <a:p>
             <a:r>
               <a:rPr lang="en-US" dirty="0"/>
-              <a:t>ANTS</a:t>
+              <a:t>ANTS, Greedy</a:t>
             </a:r>
           </a:p>
           <a:p>
@@ -6201,7 +6202,7 @@
             <a:pPr lvl="2"/>
             <a:r>
               <a:rPr lang="en-US" dirty="0"/>
-              <a:t>SSD</a:t>
+              <a:t>Sum of squared differences</a:t>
             </a:r>
           </a:p>
           <a:p>
@@ -6216,12 +6217,6 @@
             <a:r>
               <a:rPr lang="en-US" dirty="0"/>
               <a:t>Mutual information</a:t>
-            </a:r>
-          </a:p>
-          <a:p>
-            <a:r>
-              <a:rPr lang="en-US" dirty="0"/>
-              <a:t>Greedy</a:t>
             </a:r>
           </a:p>
         </p:txBody>
@@ -6629,6 +6624,128 @@
     <p:extLst>
       <p:ext uri="{BB962C8B-B14F-4D97-AF65-F5344CB8AC3E}">
         <p14:creationId xmlns:p14="http://schemas.microsoft.com/office/powerpoint/2010/main" val="2392524363"/>
+      </p:ext>
+    </p:extLst>
+  </p:cSld>
+  <p:clrMapOvr>
+    <a:masterClrMapping/>
+  </p:clrMapOvr>
+</p:sld>
+</file>
+
+<file path=ppt/slides/slide18.xml><?xml version="1.0" encoding="utf-8"?>
+<p:sld xmlns:a="http://schemas.openxmlformats.org/drawingml/2006/main" xmlns:r="http://schemas.openxmlformats.org/officeDocument/2006/relationships" xmlns:p="http://schemas.openxmlformats.org/presentationml/2006/main">
+  <p:cSld>
+    <p:spTree>
+      <p:nvGrpSpPr>
+        <p:cNvPr id="1" name=""/>
+        <p:cNvGrpSpPr/>
+        <p:nvPr/>
+      </p:nvGrpSpPr>
+      <p:grpSpPr>
+        <a:xfrm>
+          <a:off x="0" y="0"/>
+          <a:ext cx="0" cy="0"/>
+          <a:chOff x="0" y="0"/>
+          <a:chExt cx="0" cy="0"/>
+        </a:xfrm>
+      </p:grpSpPr>
+      <p:sp>
+        <p:nvSpPr>
+          <p:cNvPr id="2" name="Title 1">
+            <a:extLst>
+              <a:ext uri="{FF2B5EF4-FFF2-40B4-BE49-F238E27FC236}">
+                <a16:creationId xmlns:a16="http://schemas.microsoft.com/office/drawing/2014/main" id="{4E9AD386-D905-D54D-A14E-F395BA356F36}"/>
+              </a:ext>
+            </a:extLst>
+          </p:cNvPr>
+          <p:cNvSpPr>
+            <a:spLocks noGrp="1"/>
+          </p:cNvSpPr>
+          <p:nvPr>
+            <p:ph type="title"/>
+          </p:nvPr>
+        </p:nvSpPr>
+        <p:spPr/>
+        <p:txBody>
+          <a:bodyPr/>
+          <a:lstStyle/>
+          <a:p>
+            <a:r>
+              <a:rPr lang="en-US" dirty="0"/>
+              <a:t>Demo</a:t>
+            </a:r>
+          </a:p>
+        </p:txBody>
+      </p:sp>
+      <p:sp>
+        <p:nvSpPr>
+          <p:cNvPr id="3" name="Content Placeholder 2">
+            <a:extLst>
+              <a:ext uri="{FF2B5EF4-FFF2-40B4-BE49-F238E27FC236}">
+                <a16:creationId xmlns:a16="http://schemas.microsoft.com/office/drawing/2014/main" id="{2A9925D7-0C20-0F43-B11E-4B9207B08E34}"/>
+              </a:ext>
+            </a:extLst>
+          </p:cNvPr>
+          <p:cNvSpPr>
+            <a:spLocks noGrp="1"/>
+          </p:cNvSpPr>
+          <p:nvPr>
+            <p:ph idx="1"/>
+          </p:nvPr>
+        </p:nvSpPr>
+        <p:spPr/>
+        <p:txBody>
+          <a:bodyPr/>
+          <a:lstStyle/>
+          <a:p>
+            <a:pPr marL="0" indent="0">
+              <a:buNone/>
+            </a:pPr>
+            <a:r>
+              <a:rPr lang="en-US" dirty="0">
+                <a:hlinkClick r:id="rId2"/>
+              </a:rPr>
+              <a:t>http://github.com/akhanf/methods-lunch-spatial-normalization</a:t>
+            </a:r>
+            <a:endParaRPr lang="en-US" dirty="0"/>
+          </a:p>
+        </p:txBody>
+      </p:sp>
+      <p:pic>
+        <p:nvPicPr>
+          <p:cNvPr id="4" name="Picture 3">
+            <a:extLst>
+              <a:ext uri="{FF2B5EF4-FFF2-40B4-BE49-F238E27FC236}">
+                <a16:creationId xmlns:a16="http://schemas.microsoft.com/office/drawing/2014/main" id="{8B614D8B-4DCE-3745-A0F9-BC12F1F7A461}"/>
+              </a:ext>
+            </a:extLst>
+          </p:cNvPr>
+          <p:cNvPicPr>
+            <a:picLocks noChangeAspect="1"/>
+          </p:cNvPicPr>
+          <p:nvPr/>
+        </p:nvPicPr>
+        <p:blipFill>
+          <a:blip r:embed="rId3"/>
+          <a:stretch>
+            <a:fillRect/>
+          </a:stretch>
+        </p:blipFill>
+        <p:spPr>
+          <a:xfrm>
+            <a:off x="3048000" y="2685649"/>
+            <a:ext cx="5318090" cy="3807226"/>
+          </a:xfrm>
+          <a:prstGeom prst="rect">
+            <a:avLst/>
+          </a:prstGeom>
+        </p:spPr>
+      </p:pic>
+    </p:spTree>
+    <p:extLst>
+      <p:ext uri="{BB962C8B-B14F-4D97-AF65-F5344CB8AC3E}">
+        <p14:creationId xmlns:p14="http://schemas.microsoft.com/office/powerpoint/2010/main" val="2296605221"/>
       </p:ext>
     </p:extLst>
   </p:cSld>
